--- a/test/表紙案.pptx
+++ b/test/表紙案.pptx
@@ -7,13 +7,13 @@
   <p:sldIdLst>
     <p:sldId id="256" r:id="rId2"/>
   </p:sldIdLst>
-  <p:sldSz cx="5376863" cy="7169150" type="B5ISO"/>
+  <p:sldSz cx="5486400" cy="7315200" type="B5JIS"/>
   <p:notesSz cx="6858000" cy="9144000"/>
   <p:defaultTextStyle>
     <a:defPPr>
       <a:defRPr lang="ja-JP"/>
     </a:defPPr>
-    <a:lvl1pPr marL="0" algn="l" defTabSz="716890" rtl="0" eaLnBrk="1" latinLnBrk="0" hangingPunct="1">
+    <a:lvl1pPr marL="0" algn="l" defTabSz="731443" rtl="0" eaLnBrk="1" latinLnBrk="0" hangingPunct="1">
       <a:defRPr kumimoji="1" sz="1400" kern="1200">
         <a:solidFill>
           <a:schemeClr val="tx1"/>
@@ -23,7 +23,7 @@
         <a:cs typeface="+mn-cs"/>
       </a:defRPr>
     </a:lvl1pPr>
-    <a:lvl2pPr marL="358445" algn="l" defTabSz="716890" rtl="0" eaLnBrk="1" latinLnBrk="0" hangingPunct="1">
+    <a:lvl2pPr marL="365721" algn="l" defTabSz="731443" rtl="0" eaLnBrk="1" latinLnBrk="0" hangingPunct="1">
       <a:defRPr kumimoji="1" sz="1400" kern="1200">
         <a:solidFill>
           <a:schemeClr val="tx1"/>
@@ -33,7 +33,7 @@
         <a:cs typeface="+mn-cs"/>
       </a:defRPr>
     </a:lvl2pPr>
-    <a:lvl3pPr marL="716890" algn="l" defTabSz="716890" rtl="0" eaLnBrk="1" latinLnBrk="0" hangingPunct="1">
+    <a:lvl3pPr marL="731443" algn="l" defTabSz="731443" rtl="0" eaLnBrk="1" latinLnBrk="0" hangingPunct="1">
       <a:defRPr kumimoji="1" sz="1400" kern="1200">
         <a:solidFill>
           <a:schemeClr val="tx1"/>
@@ -43,7 +43,7 @@
         <a:cs typeface="+mn-cs"/>
       </a:defRPr>
     </a:lvl3pPr>
-    <a:lvl4pPr marL="1075334" algn="l" defTabSz="716890" rtl="0" eaLnBrk="1" latinLnBrk="0" hangingPunct="1">
+    <a:lvl4pPr marL="1097163" algn="l" defTabSz="731443" rtl="0" eaLnBrk="1" latinLnBrk="0" hangingPunct="1">
       <a:defRPr kumimoji="1" sz="1400" kern="1200">
         <a:solidFill>
           <a:schemeClr val="tx1"/>
@@ -53,7 +53,7 @@
         <a:cs typeface="+mn-cs"/>
       </a:defRPr>
     </a:lvl4pPr>
-    <a:lvl5pPr marL="1433779" algn="l" defTabSz="716890" rtl="0" eaLnBrk="1" latinLnBrk="0" hangingPunct="1">
+    <a:lvl5pPr marL="1462885" algn="l" defTabSz="731443" rtl="0" eaLnBrk="1" latinLnBrk="0" hangingPunct="1">
       <a:defRPr kumimoji="1" sz="1400" kern="1200">
         <a:solidFill>
           <a:schemeClr val="tx1"/>
@@ -63,7 +63,7 @@
         <a:cs typeface="+mn-cs"/>
       </a:defRPr>
     </a:lvl5pPr>
-    <a:lvl6pPr marL="1792224" algn="l" defTabSz="716890" rtl="0" eaLnBrk="1" latinLnBrk="0" hangingPunct="1">
+    <a:lvl6pPr marL="1828606" algn="l" defTabSz="731443" rtl="0" eaLnBrk="1" latinLnBrk="0" hangingPunct="1">
       <a:defRPr kumimoji="1" sz="1400" kern="1200">
         <a:solidFill>
           <a:schemeClr val="tx1"/>
@@ -73,7 +73,7 @@
         <a:cs typeface="+mn-cs"/>
       </a:defRPr>
     </a:lvl6pPr>
-    <a:lvl7pPr marL="2150669" algn="l" defTabSz="716890" rtl="0" eaLnBrk="1" latinLnBrk="0" hangingPunct="1">
+    <a:lvl7pPr marL="2194328" algn="l" defTabSz="731443" rtl="0" eaLnBrk="1" latinLnBrk="0" hangingPunct="1">
       <a:defRPr kumimoji="1" sz="1400" kern="1200">
         <a:solidFill>
           <a:schemeClr val="tx1"/>
@@ -83,7 +83,7 @@
         <a:cs typeface="+mn-cs"/>
       </a:defRPr>
     </a:lvl7pPr>
-    <a:lvl8pPr marL="2509114" algn="l" defTabSz="716890" rtl="0" eaLnBrk="1" latinLnBrk="0" hangingPunct="1">
+    <a:lvl8pPr marL="2560049" algn="l" defTabSz="731443" rtl="0" eaLnBrk="1" latinLnBrk="0" hangingPunct="1">
       <a:defRPr kumimoji="1" sz="1400" kern="1200">
         <a:solidFill>
           <a:schemeClr val="tx1"/>
@@ -93,7 +93,7 @@
         <a:cs typeface="+mn-cs"/>
       </a:defRPr>
     </a:lvl8pPr>
-    <a:lvl9pPr marL="2867558" algn="l" defTabSz="716890" rtl="0" eaLnBrk="1" latinLnBrk="0" hangingPunct="1">
+    <a:lvl9pPr marL="2925769" algn="l" defTabSz="731443" rtl="0" eaLnBrk="1" latinLnBrk="0" hangingPunct="1">
       <a:defRPr kumimoji="1" sz="1400" kern="1200">
         <a:solidFill>
           <a:schemeClr val="tx1"/>
@@ -136,8 +136,8 @@
         </p:nvSpPr>
         <p:spPr>
           <a:xfrm>
-            <a:off x="403265" y="2227085"/>
-            <a:ext cx="4570334" cy="1536720"/>
+            <a:off x="411481" y="2272455"/>
+            <a:ext cx="4663440" cy="1568026"/>
           </a:xfrm>
         </p:spPr>
         <p:txBody>
@@ -164,8 +164,8 @@
         </p:nvSpPr>
         <p:spPr>
           <a:xfrm>
-            <a:off x="806530" y="4062518"/>
-            <a:ext cx="3763804" cy="1832116"/>
+            <a:off x="822961" y="4145280"/>
+            <a:ext cx="3840480" cy="1869440"/>
           </a:xfrm>
         </p:spPr>
         <p:txBody>
@@ -181,7 +181,7 @@
                 </a:solidFill>
               </a:defRPr>
             </a:lvl1pPr>
-            <a:lvl2pPr marL="358445" indent="0" algn="ctr">
+            <a:lvl2pPr marL="365721" indent="0" algn="ctr">
               <a:buNone/>
               <a:defRPr>
                 <a:solidFill>
@@ -191,7 +191,7 @@
                 </a:solidFill>
               </a:defRPr>
             </a:lvl2pPr>
-            <a:lvl3pPr marL="716890" indent="0" algn="ctr">
+            <a:lvl3pPr marL="731443" indent="0" algn="ctr">
               <a:buNone/>
               <a:defRPr>
                 <a:solidFill>
@@ -201,7 +201,7 @@
                 </a:solidFill>
               </a:defRPr>
             </a:lvl3pPr>
-            <a:lvl4pPr marL="1075334" indent="0" algn="ctr">
+            <a:lvl4pPr marL="1097163" indent="0" algn="ctr">
               <a:buNone/>
               <a:defRPr>
                 <a:solidFill>
@@ -211,7 +211,7 @@
                 </a:solidFill>
               </a:defRPr>
             </a:lvl4pPr>
-            <a:lvl5pPr marL="1433779" indent="0" algn="ctr">
+            <a:lvl5pPr marL="1462885" indent="0" algn="ctr">
               <a:buNone/>
               <a:defRPr>
                 <a:solidFill>
@@ -221,7 +221,7 @@
                 </a:solidFill>
               </a:defRPr>
             </a:lvl5pPr>
-            <a:lvl6pPr marL="1792224" indent="0" algn="ctr">
+            <a:lvl6pPr marL="1828606" indent="0" algn="ctr">
               <a:buNone/>
               <a:defRPr>
                 <a:solidFill>
@@ -231,7 +231,7 @@
                 </a:solidFill>
               </a:defRPr>
             </a:lvl6pPr>
-            <a:lvl7pPr marL="2150669" indent="0" algn="ctr">
+            <a:lvl7pPr marL="2194328" indent="0" algn="ctr">
               <a:buNone/>
               <a:defRPr>
                 <a:solidFill>
@@ -241,7 +241,7 @@
                 </a:solidFill>
               </a:defRPr>
             </a:lvl7pPr>
-            <a:lvl8pPr marL="2509114" indent="0" algn="ctr">
+            <a:lvl8pPr marL="2560049" indent="0" algn="ctr">
               <a:buNone/>
               <a:defRPr>
                 <a:solidFill>
@@ -251,7 +251,7 @@
                 </a:solidFill>
               </a:defRPr>
             </a:lvl8pPr>
-            <a:lvl9pPr marL="2867558" indent="0" algn="ctr">
+            <a:lvl9pPr marL="2925769" indent="0" algn="ctr">
               <a:buNone/>
               <a:defRPr>
                 <a:solidFill>
@@ -289,7 +289,7 @@
             <a:fld id="{7E4AEFB6-517F-45FA-8550-645612BEEF00}" type="datetimeFigureOut">
               <a:rPr kumimoji="1" lang="ja-JP" altLang="en-US" smtClean="0"/>
               <a:pPr/>
-              <a:t>2020/9/5</a:t>
+              <a:t>2020/9/7</a:t>
             </a:fld>
             <a:endParaRPr kumimoji="1" lang="ja-JP" altLang="en-US"/>
           </a:p>
@@ -488,7 +488,7 @@
             <a:fld id="{7E4AEFB6-517F-45FA-8550-645612BEEF00}" type="datetimeFigureOut">
               <a:rPr kumimoji="1" lang="ja-JP" altLang="en-US" smtClean="0"/>
               <a:pPr/>
-              <a:t>2020/9/5</a:t>
+              <a:t>2020/9/7</a:t>
             </a:fld>
             <a:endParaRPr kumimoji="1" lang="ja-JP" altLang="en-US"/>
           </a:p>
@@ -574,8 +574,8 @@
         </p:nvSpPr>
         <p:spPr>
           <a:xfrm>
-            <a:off x="3898226" y="287099"/>
-            <a:ext cx="1209794" cy="6117011"/>
+            <a:off x="3977640" y="292948"/>
+            <a:ext cx="1234440" cy="6241627"/>
           </a:xfrm>
         </p:spPr>
         <p:txBody>
@@ -602,8 +602,8 @@
         </p:nvSpPr>
         <p:spPr>
           <a:xfrm>
-            <a:off x="268843" y="287099"/>
-            <a:ext cx="3539768" cy="6117011"/>
+            <a:off x="274320" y="292948"/>
+            <a:ext cx="3611880" cy="6241627"/>
           </a:xfrm>
         </p:spPr>
         <p:txBody>
@@ -697,7 +697,7 @@
             <a:fld id="{7E4AEFB6-517F-45FA-8550-645612BEEF00}" type="datetimeFigureOut">
               <a:rPr kumimoji="1" lang="ja-JP" altLang="en-US" smtClean="0"/>
               <a:pPr/>
-              <a:t>2020/9/5</a:t>
+              <a:t>2020/9/7</a:t>
             </a:fld>
             <a:endParaRPr kumimoji="1" lang="ja-JP" altLang="en-US"/>
           </a:p>
@@ -896,7 +896,7 @@
             <a:fld id="{7E4AEFB6-517F-45FA-8550-645612BEEF00}" type="datetimeFigureOut">
               <a:rPr kumimoji="1" lang="ja-JP" altLang="en-US" smtClean="0"/>
               <a:pPr/>
-              <a:t>2020/9/5</a:t>
+              <a:t>2020/9/7</a:t>
             </a:fld>
             <a:endParaRPr kumimoji="1" lang="ja-JP" altLang="en-US"/>
           </a:p>
@@ -982,15 +982,15 @@
         </p:nvSpPr>
         <p:spPr>
           <a:xfrm>
-            <a:off x="424735" y="4606843"/>
-            <a:ext cx="4570334" cy="1423873"/>
+            <a:off x="433388" y="4700694"/>
+            <a:ext cx="4663440" cy="1452880"/>
           </a:xfrm>
         </p:spPr>
         <p:txBody>
           <a:bodyPr anchor="t"/>
           <a:lstStyle>
             <a:lvl1pPr algn="l">
-              <a:defRPr sz="3100" b="1" cap="all"/>
+              <a:defRPr sz="3200" b="1" cap="all"/>
             </a:lvl1pPr>
           </a:lstStyle>
           <a:p>
@@ -1014,8 +1014,8 @@
         </p:nvSpPr>
         <p:spPr>
           <a:xfrm>
-            <a:off x="424735" y="3038592"/>
-            <a:ext cx="4570334" cy="1568251"/>
+            <a:off x="433388" y="3100495"/>
+            <a:ext cx="4663440" cy="1600199"/>
           </a:xfrm>
         </p:spPr>
         <p:txBody>
@@ -1031,7 +1031,7 @@
                 </a:solidFill>
               </a:defRPr>
             </a:lvl1pPr>
-            <a:lvl2pPr marL="358445" indent="0">
+            <a:lvl2pPr marL="365721" indent="0">
               <a:buNone/>
               <a:defRPr sz="1400">
                 <a:solidFill>
@@ -1041,7 +1041,7 @@
                 </a:solidFill>
               </a:defRPr>
             </a:lvl2pPr>
-            <a:lvl3pPr marL="716890" indent="0">
+            <a:lvl3pPr marL="731443" indent="0">
               <a:buNone/>
               <a:defRPr sz="1300">
                 <a:solidFill>
@@ -1051,7 +1051,7 @@
                 </a:solidFill>
               </a:defRPr>
             </a:lvl3pPr>
-            <a:lvl4pPr marL="1075334" indent="0">
+            <a:lvl4pPr marL="1097163" indent="0">
               <a:buNone/>
               <a:defRPr sz="1100">
                 <a:solidFill>
@@ -1061,7 +1061,7 @@
                 </a:solidFill>
               </a:defRPr>
             </a:lvl4pPr>
-            <a:lvl5pPr marL="1433779" indent="0">
+            <a:lvl5pPr marL="1462885" indent="0">
               <a:buNone/>
               <a:defRPr sz="1100">
                 <a:solidFill>
@@ -1071,7 +1071,7 @@
                 </a:solidFill>
               </a:defRPr>
             </a:lvl5pPr>
-            <a:lvl6pPr marL="1792224" indent="0">
+            <a:lvl6pPr marL="1828606" indent="0">
               <a:buNone/>
               <a:defRPr sz="1100">
                 <a:solidFill>
@@ -1081,7 +1081,7 @@
                 </a:solidFill>
               </a:defRPr>
             </a:lvl6pPr>
-            <a:lvl7pPr marL="2150669" indent="0">
+            <a:lvl7pPr marL="2194328" indent="0">
               <a:buNone/>
               <a:defRPr sz="1100">
                 <a:solidFill>
@@ -1091,7 +1091,7 @@
                 </a:solidFill>
               </a:defRPr>
             </a:lvl7pPr>
-            <a:lvl8pPr marL="2509114" indent="0">
+            <a:lvl8pPr marL="2560049" indent="0">
               <a:buNone/>
               <a:defRPr sz="1100">
                 <a:solidFill>
@@ -1101,7 +1101,7 @@
                 </a:solidFill>
               </a:defRPr>
             </a:lvl8pPr>
-            <a:lvl9pPr marL="2867558" indent="0">
+            <a:lvl9pPr marL="2925769" indent="0">
               <a:buNone/>
               <a:defRPr sz="1100">
                 <a:solidFill>
@@ -1139,7 +1139,7 @@
             <a:fld id="{7E4AEFB6-517F-45FA-8550-645612BEEF00}" type="datetimeFigureOut">
               <a:rPr kumimoji="1" lang="ja-JP" altLang="en-US" smtClean="0"/>
               <a:pPr/>
-              <a:t>2020/9/5</a:t>
+              <a:t>2020/9/7</a:t>
             </a:fld>
             <a:endParaRPr kumimoji="1" lang="ja-JP" altLang="en-US"/>
           </a:p>
@@ -1248,8 +1248,8 @@
         </p:nvSpPr>
         <p:spPr>
           <a:xfrm>
-            <a:off x="268843" y="1672803"/>
-            <a:ext cx="2374781" cy="4731307"/>
+            <a:off x="274320" y="1706882"/>
+            <a:ext cx="2423160" cy="4827693"/>
           </a:xfrm>
         </p:spPr>
         <p:txBody>
@@ -1365,8 +1365,8 @@
         </p:nvSpPr>
         <p:spPr>
           <a:xfrm>
-            <a:off x="2733239" y="1672803"/>
-            <a:ext cx="2374781" cy="4731307"/>
+            <a:off x="2788921" y="1706882"/>
+            <a:ext cx="2423160" cy="4827693"/>
           </a:xfrm>
         </p:spPr>
         <p:txBody>
@@ -1488,7 +1488,7 @@
             <a:fld id="{7E4AEFB6-517F-45FA-8550-645612BEEF00}" type="datetimeFigureOut">
               <a:rPr kumimoji="1" lang="ja-JP" altLang="en-US" smtClean="0"/>
               <a:pPr/>
-              <a:t>2020/9/5</a:t>
+              <a:t>2020/9/7</a:t>
             </a:fld>
             <a:endParaRPr kumimoji="1" lang="ja-JP" altLang="en-US"/>
           </a:p>
@@ -1601,8 +1601,8 @@
         </p:nvSpPr>
         <p:spPr>
           <a:xfrm>
-            <a:off x="268844" y="1604762"/>
-            <a:ext cx="2375715" cy="668788"/>
+            <a:off x="274321" y="1637454"/>
+            <a:ext cx="2424113" cy="682413"/>
           </a:xfrm>
         </p:spPr>
         <p:txBody>
@@ -1612,35 +1612,35 @@
               <a:buNone/>
               <a:defRPr sz="1900" b="1"/>
             </a:lvl1pPr>
-            <a:lvl2pPr marL="358445" indent="0">
+            <a:lvl2pPr marL="365721" indent="0">
               <a:buNone/>
               <a:defRPr sz="1600" b="1"/>
             </a:lvl2pPr>
-            <a:lvl3pPr marL="716890" indent="0">
+            <a:lvl3pPr marL="731443" indent="0">
               <a:buNone/>
               <a:defRPr sz="1400" b="1"/>
             </a:lvl3pPr>
-            <a:lvl4pPr marL="1075334" indent="0">
+            <a:lvl4pPr marL="1097163" indent="0">
               <a:buNone/>
               <a:defRPr sz="1300" b="1"/>
             </a:lvl4pPr>
-            <a:lvl5pPr marL="1433779" indent="0">
+            <a:lvl5pPr marL="1462885" indent="0">
               <a:buNone/>
               <a:defRPr sz="1300" b="1"/>
             </a:lvl5pPr>
-            <a:lvl6pPr marL="1792224" indent="0">
+            <a:lvl6pPr marL="1828606" indent="0">
               <a:buNone/>
               <a:defRPr sz="1300" b="1"/>
             </a:lvl6pPr>
-            <a:lvl7pPr marL="2150669" indent="0">
+            <a:lvl7pPr marL="2194328" indent="0">
               <a:buNone/>
               <a:defRPr sz="1300" b="1"/>
             </a:lvl7pPr>
-            <a:lvl8pPr marL="2509114" indent="0">
+            <a:lvl8pPr marL="2560049" indent="0">
               <a:buNone/>
               <a:defRPr sz="1300" b="1"/>
             </a:lvl8pPr>
-            <a:lvl9pPr marL="2867558" indent="0">
+            <a:lvl9pPr marL="2925769" indent="0">
               <a:buNone/>
               <a:defRPr sz="1300" b="1"/>
             </a:lvl9pPr>
@@ -1666,8 +1666,8 @@
         </p:nvSpPr>
         <p:spPr>
           <a:xfrm>
-            <a:off x="268844" y="2273550"/>
-            <a:ext cx="2375715" cy="4130559"/>
+            <a:off x="274321" y="2319867"/>
+            <a:ext cx="2424113" cy="4214707"/>
           </a:xfrm>
         </p:spPr>
         <p:txBody>
@@ -1783,8 +1783,8 @@
         </p:nvSpPr>
         <p:spPr>
           <a:xfrm>
-            <a:off x="2731372" y="1604762"/>
-            <a:ext cx="2376648" cy="668788"/>
+            <a:off x="2787015" y="1637454"/>
+            <a:ext cx="2425065" cy="682413"/>
           </a:xfrm>
         </p:spPr>
         <p:txBody>
@@ -1794,35 +1794,35 @@
               <a:buNone/>
               <a:defRPr sz="1900" b="1"/>
             </a:lvl1pPr>
-            <a:lvl2pPr marL="358445" indent="0">
+            <a:lvl2pPr marL="365721" indent="0">
               <a:buNone/>
               <a:defRPr sz="1600" b="1"/>
             </a:lvl2pPr>
-            <a:lvl3pPr marL="716890" indent="0">
+            <a:lvl3pPr marL="731443" indent="0">
               <a:buNone/>
               <a:defRPr sz="1400" b="1"/>
             </a:lvl3pPr>
-            <a:lvl4pPr marL="1075334" indent="0">
+            <a:lvl4pPr marL="1097163" indent="0">
               <a:buNone/>
               <a:defRPr sz="1300" b="1"/>
             </a:lvl4pPr>
-            <a:lvl5pPr marL="1433779" indent="0">
+            <a:lvl5pPr marL="1462885" indent="0">
               <a:buNone/>
               <a:defRPr sz="1300" b="1"/>
             </a:lvl5pPr>
-            <a:lvl6pPr marL="1792224" indent="0">
+            <a:lvl6pPr marL="1828606" indent="0">
               <a:buNone/>
               <a:defRPr sz="1300" b="1"/>
             </a:lvl6pPr>
-            <a:lvl7pPr marL="2150669" indent="0">
+            <a:lvl7pPr marL="2194328" indent="0">
               <a:buNone/>
               <a:defRPr sz="1300" b="1"/>
             </a:lvl7pPr>
-            <a:lvl8pPr marL="2509114" indent="0">
+            <a:lvl8pPr marL="2560049" indent="0">
               <a:buNone/>
               <a:defRPr sz="1300" b="1"/>
             </a:lvl8pPr>
-            <a:lvl9pPr marL="2867558" indent="0">
+            <a:lvl9pPr marL="2925769" indent="0">
               <a:buNone/>
               <a:defRPr sz="1300" b="1"/>
             </a:lvl9pPr>
@@ -1848,8 +1848,8 @@
         </p:nvSpPr>
         <p:spPr>
           <a:xfrm>
-            <a:off x="2731372" y="2273550"/>
-            <a:ext cx="2376648" cy="4130559"/>
+            <a:off x="2787015" y="2319867"/>
+            <a:ext cx="2425065" cy="4214707"/>
           </a:xfrm>
         </p:spPr>
         <p:txBody>
@@ -1971,7 +1971,7 @@
             <a:fld id="{7E4AEFB6-517F-45FA-8550-645612BEEF00}" type="datetimeFigureOut">
               <a:rPr kumimoji="1" lang="ja-JP" altLang="en-US" smtClean="0"/>
               <a:pPr/>
-              <a:t>2020/9/5</a:t>
+              <a:t>2020/9/7</a:t>
             </a:fld>
             <a:endParaRPr kumimoji="1" lang="ja-JP" altLang="en-US"/>
           </a:p>
@@ -2086,7 +2086,7 @@
             <a:fld id="{7E4AEFB6-517F-45FA-8550-645612BEEF00}" type="datetimeFigureOut">
               <a:rPr kumimoji="1" lang="ja-JP" altLang="en-US" smtClean="0"/>
               <a:pPr/>
-              <a:t>2020/9/5</a:t>
+              <a:t>2020/9/7</a:t>
             </a:fld>
             <a:endParaRPr kumimoji="1" lang="ja-JP" altLang="en-US"/>
           </a:p>
@@ -2178,7 +2178,7 @@
             <a:fld id="{7E4AEFB6-517F-45FA-8550-645612BEEF00}" type="datetimeFigureOut">
               <a:rPr kumimoji="1" lang="ja-JP" altLang="en-US" smtClean="0"/>
               <a:pPr/>
-              <a:t>2020/9/5</a:t>
+              <a:t>2020/9/7</a:t>
             </a:fld>
             <a:endParaRPr kumimoji="1" lang="ja-JP" altLang="en-US"/>
           </a:p>
@@ -2264,8 +2264,8 @@
         </p:nvSpPr>
         <p:spPr>
           <a:xfrm>
-            <a:off x="268844" y="285438"/>
-            <a:ext cx="1768951" cy="1214773"/>
+            <a:off x="274321" y="291254"/>
+            <a:ext cx="1804988" cy="1239520"/>
           </a:xfrm>
         </p:spPr>
         <p:txBody>
@@ -2296,15 +2296,15 @@
         </p:nvSpPr>
         <p:spPr>
           <a:xfrm>
-            <a:off x="2102204" y="285439"/>
-            <a:ext cx="3005816" cy="6118671"/>
+            <a:off x="2145030" y="291254"/>
+            <a:ext cx="3067050" cy="6243321"/>
           </a:xfrm>
         </p:spPr>
         <p:txBody>
           <a:bodyPr/>
           <a:lstStyle>
             <a:lvl1pPr>
-              <a:defRPr sz="2500"/>
+              <a:defRPr sz="2600"/>
             </a:lvl1pPr>
             <a:lvl2pPr>
               <a:defRPr sz="2200"/>
@@ -2413,8 +2413,8 @@
         </p:nvSpPr>
         <p:spPr>
           <a:xfrm>
-            <a:off x="268844" y="1500211"/>
-            <a:ext cx="1768951" cy="4903899"/>
+            <a:off x="274321" y="1530774"/>
+            <a:ext cx="1804988" cy="5003801"/>
           </a:xfrm>
         </p:spPr>
         <p:txBody>
@@ -2424,35 +2424,35 @@
               <a:buNone/>
               <a:defRPr sz="1100"/>
             </a:lvl1pPr>
-            <a:lvl2pPr marL="358445" indent="0">
+            <a:lvl2pPr marL="365721" indent="0">
               <a:buNone/>
               <a:defRPr sz="900"/>
             </a:lvl2pPr>
-            <a:lvl3pPr marL="716890" indent="0">
+            <a:lvl3pPr marL="731443" indent="0">
               <a:buNone/>
               <a:defRPr sz="800"/>
             </a:lvl3pPr>
-            <a:lvl4pPr marL="1075334" indent="0">
+            <a:lvl4pPr marL="1097163" indent="0">
               <a:buNone/>
               <a:defRPr sz="700"/>
             </a:lvl4pPr>
-            <a:lvl5pPr marL="1433779" indent="0">
+            <a:lvl5pPr marL="1462885" indent="0">
               <a:buNone/>
               <a:defRPr sz="700"/>
             </a:lvl5pPr>
-            <a:lvl6pPr marL="1792224" indent="0">
+            <a:lvl6pPr marL="1828606" indent="0">
               <a:buNone/>
               <a:defRPr sz="700"/>
             </a:lvl6pPr>
-            <a:lvl7pPr marL="2150669" indent="0">
+            <a:lvl7pPr marL="2194328" indent="0">
               <a:buNone/>
               <a:defRPr sz="700"/>
             </a:lvl7pPr>
-            <a:lvl8pPr marL="2509114" indent="0">
+            <a:lvl8pPr marL="2560049" indent="0">
               <a:buNone/>
               <a:defRPr sz="700"/>
             </a:lvl8pPr>
-            <a:lvl9pPr marL="2867558" indent="0">
+            <a:lvl9pPr marL="2925769" indent="0">
               <a:buNone/>
               <a:defRPr sz="700"/>
             </a:lvl9pPr>
@@ -2484,7 +2484,7 @@
             <a:fld id="{7E4AEFB6-517F-45FA-8550-645612BEEF00}" type="datetimeFigureOut">
               <a:rPr kumimoji="1" lang="ja-JP" altLang="en-US" smtClean="0"/>
               <a:pPr/>
-              <a:t>2020/9/5</a:t>
+              <a:t>2020/9/7</a:t>
             </a:fld>
             <a:endParaRPr kumimoji="1" lang="ja-JP" altLang="en-US"/>
           </a:p>
@@ -2570,8 +2570,8 @@
         </p:nvSpPr>
         <p:spPr>
           <a:xfrm>
-            <a:off x="1053903" y="5018406"/>
-            <a:ext cx="3226118" cy="592451"/>
+            <a:off x="1075373" y="5120642"/>
+            <a:ext cx="3291840" cy="604520"/>
           </a:xfrm>
         </p:spPr>
         <p:txBody>
@@ -2602,8 +2602,8 @@
         </p:nvSpPr>
         <p:spPr>
           <a:xfrm>
-            <a:off x="1053903" y="640577"/>
-            <a:ext cx="3226118" cy="4301490"/>
+            <a:off x="1075373" y="653627"/>
+            <a:ext cx="3291840" cy="4389120"/>
           </a:xfrm>
         </p:spPr>
         <p:txBody>
@@ -2611,37 +2611,37 @@
           <a:lstStyle>
             <a:lvl1pPr marL="0" indent="0">
               <a:buNone/>
-              <a:defRPr sz="2500"/>
+              <a:defRPr sz="2600"/>
             </a:lvl1pPr>
-            <a:lvl2pPr marL="358445" indent="0">
+            <a:lvl2pPr marL="365721" indent="0">
               <a:buNone/>
               <a:defRPr sz="2200"/>
             </a:lvl2pPr>
-            <a:lvl3pPr marL="716890" indent="0">
+            <a:lvl3pPr marL="731443" indent="0">
               <a:buNone/>
               <a:defRPr sz="1900"/>
             </a:lvl3pPr>
-            <a:lvl4pPr marL="1075334" indent="0">
+            <a:lvl4pPr marL="1097163" indent="0">
               <a:buNone/>
               <a:defRPr sz="1600"/>
             </a:lvl4pPr>
-            <a:lvl5pPr marL="1433779" indent="0">
+            <a:lvl5pPr marL="1462885" indent="0">
               <a:buNone/>
               <a:defRPr sz="1600"/>
             </a:lvl5pPr>
-            <a:lvl6pPr marL="1792224" indent="0">
+            <a:lvl6pPr marL="1828606" indent="0">
               <a:buNone/>
               <a:defRPr sz="1600"/>
             </a:lvl6pPr>
-            <a:lvl7pPr marL="2150669" indent="0">
+            <a:lvl7pPr marL="2194328" indent="0">
               <a:buNone/>
               <a:defRPr sz="1600"/>
             </a:lvl7pPr>
-            <a:lvl8pPr marL="2509114" indent="0">
+            <a:lvl8pPr marL="2560049" indent="0">
               <a:buNone/>
               <a:defRPr sz="1600"/>
             </a:lvl8pPr>
-            <a:lvl9pPr marL="2867558" indent="0">
+            <a:lvl9pPr marL="2925769" indent="0">
               <a:buNone/>
               <a:defRPr sz="1600"/>
             </a:lvl9pPr>
@@ -2663,8 +2663,8 @@
         </p:nvSpPr>
         <p:spPr>
           <a:xfrm>
-            <a:off x="1053903" y="5610857"/>
-            <a:ext cx="3226118" cy="841379"/>
+            <a:off x="1075373" y="5725162"/>
+            <a:ext cx="3291840" cy="858520"/>
           </a:xfrm>
         </p:spPr>
         <p:txBody>
@@ -2674,35 +2674,35 @@
               <a:buNone/>
               <a:defRPr sz="1100"/>
             </a:lvl1pPr>
-            <a:lvl2pPr marL="358445" indent="0">
+            <a:lvl2pPr marL="365721" indent="0">
               <a:buNone/>
               <a:defRPr sz="900"/>
             </a:lvl2pPr>
-            <a:lvl3pPr marL="716890" indent="0">
+            <a:lvl3pPr marL="731443" indent="0">
               <a:buNone/>
               <a:defRPr sz="800"/>
             </a:lvl3pPr>
-            <a:lvl4pPr marL="1075334" indent="0">
+            <a:lvl4pPr marL="1097163" indent="0">
               <a:buNone/>
               <a:defRPr sz="700"/>
             </a:lvl4pPr>
-            <a:lvl5pPr marL="1433779" indent="0">
+            <a:lvl5pPr marL="1462885" indent="0">
               <a:buNone/>
               <a:defRPr sz="700"/>
             </a:lvl5pPr>
-            <a:lvl6pPr marL="1792224" indent="0">
+            <a:lvl6pPr marL="1828606" indent="0">
               <a:buNone/>
               <a:defRPr sz="700"/>
             </a:lvl6pPr>
-            <a:lvl7pPr marL="2150669" indent="0">
+            <a:lvl7pPr marL="2194328" indent="0">
               <a:buNone/>
               <a:defRPr sz="700"/>
             </a:lvl7pPr>
-            <a:lvl8pPr marL="2509114" indent="0">
+            <a:lvl8pPr marL="2560049" indent="0">
               <a:buNone/>
               <a:defRPr sz="700"/>
             </a:lvl8pPr>
-            <a:lvl9pPr marL="2867558" indent="0">
+            <a:lvl9pPr marL="2925769" indent="0">
               <a:buNone/>
               <a:defRPr sz="700"/>
             </a:lvl9pPr>
@@ -2734,7 +2734,7 @@
             <a:fld id="{7E4AEFB6-517F-45FA-8550-645612BEEF00}" type="datetimeFigureOut">
               <a:rPr kumimoji="1" lang="ja-JP" altLang="en-US" smtClean="0"/>
               <a:pPr/>
-              <a:t>2020/9/5</a:t>
+              <a:t>2020/9/7</a:t>
             </a:fld>
             <a:endParaRPr kumimoji="1" lang="ja-JP" altLang="en-US"/>
           </a:p>
@@ -2825,15 +2825,15 @@
         </p:nvSpPr>
         <p:spPr>
           <a:xfrm>
-            <a:off x="268843" y="287099"/>
-            <a:ext cx="4839177" cy="1194858"/>
+            <a:off x="274321" y="292948"/>
+            <a:ext cx="4937760" cy="1219200"/>
           </a:xfrm>
           <a:prstGeom prst="rect">
             <a:avLst/>
           </a:prstGeom>
         </p:spPr>
         <p:txBody>
-          <a:bodyPr vert="horz" lIns="71689" tIns="35844" rIns="71689" bIns="35844" rtlCol="0" anchor="ctr">
+          <a:bodyPr vert="horz" lIns="73144" tIns="36572" rIns="73144" bIns="36572" rtlCol="0" anchor="ctr">
             <a:normAutofit/>
           </a:bodyPr>
           <a:lstStyle/>
@@ -2858,15 +2858,15 @@
         </p:nvSpPr>
         <p:spPr>
           <a:xfrm>
-            <a:off x="268843" y="1672803"/>
-            <a:ext cx="4839177" cy="4731307"/>
+            <a:off x="274321" y="1706882"/>
+            <a:ext cx="4937760" cy="4827693"/>
           </a:xfrm>
           <a:prstGeom prst="rect">
             <a:avLst/>
           </a:prstGeom>
         </p:spPr>
         <p:txBody>
-          <a:bodyPr vert="horz" lIns="71689" tIns="35844" rIns="71689" bIns="35844" rtlCol="0">
+          <a:bodyPr vert="horz" lIns="73144" tIns="36572" rIns="73144" bIns="36572" rtlCol="0">
             <a:normAutofit/>
           </a:bodyPr>
           <a:lstStyle/>
@@ -2952,15 +2952,15 @@
         </p:nvSpPr>
         <p:spPr>
           <a:xfrm>
-            <a:off x="268843" y="6644741"/>
-            <a:ext cx="1254601" cy="381691"/>
+            <a:off x="274320" y="6780108"/>
+            <a:ext cx="1280160" cy="389467"/>
           </a:xfrm>
           <a:prstGeom prst="rect">
             <a:avLst/>
           </a:prstGeom>
         </p:spPr>
         <p:txBody>
-          <a:bodyPr vert="horz" lIns="71689" tIns="35844" rIns="71689" bIns="35844" rtlCol="0" anchor="ctr"/>
+          <a:bodyPr vert="horz" lIns="73144" tIns="36572" rIns="73144" bIns="36572" rtlCol="0" anchor="ctr"/>
           <a:lstStyle>
             <a:lvl1pPr algn="l">
               <a:defRPr sz="900">
@@ -2976,7 +2976,7 @@
             <a:fld id="{7E4AEFB6-517F-45FA-8550-645612BEEF00}" type="datetimeFigureOut">
               <a:rPr kumimoji="1" lang="ja-JP" altLang="en-US" smtClean="0"/>
               <a:pPr/>
-              <a:t>2020/9/5</a:t>
+              <a:t>2020/9/7</a:t>
             </a:fld>
             <a:endParaRPr kumimoji="1" lang="ja-JP" altLang="en-US"/>
           </a:p>
@@ -2994,15 +2994,15 @@
         </p:nvSpPr>
         <p:spPr>
           <a:xfrm>
-            <a:off x="1837095" y="6644741"/>
-            <a:ext cx="1702673" cy="381691"/>
+            <a:off x="1874521" y="6780108"/>
+            <a:ext cx="1737360" cy="389467"/>
           </a:xfrm>
           <a:prstGeom prst="rect">
             <a:avLst/>
           </a:prstGeom>
         </p:spPr>
         <p:txBody>
-          <a:bodyPr vert="horz" lIns="71689" tIns="35844" rIns="71689" bIns="35844" rtlCol="0" anchor="ctr"/>
+          <a:bodyPr vert="horz" lIns="73144" tIns="36572" rIns="73144" bIns="36572" rtlCol="0" anchor="ctr"/>
           <a:lstStyle>
             <a:lvl1pPr algn="ctr">
               <a:defRPr sz="900">
@@ -3031,15 +3031,15 @@
         </p:nvSpPr>
         <p:spPr>
           <a:xfrm>
-            <a:off x="3853419" y="6644741"/>
-            <a:ext cx="1254601" cy="381691"/>
+            <a:off x="3931921" y="6780108"/>
+            <a:ext cx="1280160" cy="389467"/>
           </a:xfrm>
           <a:prstGeom prst="rect">
             <a:avLst/>
           </a:prstGeom>
         </p:spPr>
         <p:txBody>
-          <a:bodyPr vert="horz" lIns="71689" tIns="35844" rIns="71689" bIns="35844" rtlCol="0" anchor="ctr"/>
+          <a:bodyPr vert="horz" lIns="73144" tIns="36572" rIns="73144" bIns="36572" rtlCol="0" anchor="ctr"/>
           <a:lstStyle>
             <a:lvl1pPr algn="r">
               <a:defRPr sz="900">
@@ -3079,12 +3079,12 @@
   </p:sldLayoutIdLst>
   <p:txStyles>
     <p:titleStyle>
-      <a:lvl1pPr algn="ctr" defTabSz="716890" rtl="0" eaLnBrk="1" latinLnBrk="0" hangingPunct="1">
+      <a:lvl1pPr algn="ctr" defTabSz="731443" rtl="0" eaLnBrk="1" latinLnBrk="0" hangingPunct="1">
         <a:spcBef>
           <a:spcPct val="0"/>
         </a:spcBef>
         <a:buNone/>
-        <a:defRPr kumimoji="1" sz="3400" kern="1200">
+        <a:defRPr kumimoji="1" sz="3500" kern="1200">
           <a:solidFill>
             <a:schemeClr val="tx1"/>
           </a:solidFill>
@@ -3095,13 +3095,13 @@
       </a:lvl1pPr>
     </p:titleStyle>
     <p:bodyStyle>
-      <a:lvl1pPr marL="268834" indent="-268834" algn="l" defTabSz="716890" rtl="0" eaLnBrk="1" latinLnBrk="0" hangingPunct="1">
+      <a:lvl1pPr marL="274291" indent="-274291" algn="l" defTabSz="731443" rtl="0" eaLnBrk="1" latinLnBrk="0" hangingPunct="1">
         <a:spcBef>
           <a:spcPct val="20000"/>
         </a:spcBef>
         <a:buFont typeface="Arial" pitchFamily="34" charset="0"/>
         <a:buChar char="•"/>
-        <a:defRPr kumimoji="1" sz="2500" kern="1200">
+        <a:defRPr kumimoji="1" sz="2600" kern="1200">
           <a:solidFill>
             <a:schemeClr val="tx1"/>
           </a:solidFill>
@@ -3110,7 +3110,7 @@
           <a:cs typeface="+mn-cs"/>
         </a:defRPr>
       </a:lvl1pPr>
-      <a:lvl2pPr marL="582473" indent="-224028" algn="l" defTabSz="716890" rtl="0" eaLnBrk="1" latinLnBrk="0" hangingPunct="1">
+      <a:lvl2pPr marL="594297" indent="-228576" algn="l" defTabSz="731443" rtl="0" eaLnBrk="1" latinLnBrk="0" hangingPunct="1">
         <a:spcBef>
           <a:spcPct val="20000"/>
         </a:spcBef>
@@ -3125,7 +3125,7 @@
           <a:cs typeface="+mn-cs"/>
         </a:defRPr>
       </a:lvl2pPr>
-      <a:lvl3pPr marL="896112" indent="-179222" algn="l" defTabSz="716890" rtl="0" eaLnBrk="1" latinLnBrk="0" hangingPunct="1">
+      <a:lvl3pPr marL="914303" indent="-182860" algn="l" defTabSz="731443" rtl="0" eaLnBrk="1" latinLnBrk="0" hangingPunct="1">
         <a:spcBef>
           <a:spcPct val="20000"/>
         </a:spcBef>
@@ -3140,7 +3140,7 @@
           <a:cs typeface="+mn-cs"/>
         </a:defRPr>
       </a:lvl3pPr>
-      <a:lvl4pPr marL="1254557" indent="-179222" algn="l" defTabSz="716890" rtl="0" eaLnBrk="1" latinLnBrk="0" hangingPunct="1">
+      <a:lvl4pPr marL="1280025" indent="-182860" algn="l" defTabSz="731443" rtl="0" eaLnBrk="1" latinLnBrk="0" hangingPunct="1">
         <a:spcBef>
           <a:spcPct val="20000"/>
         </a:spcBef>
@@ -3155,7 +3155,7 @@
           <a:cs typeface="+mn-cs"/>
         </a:defRPr>
       </a:lvl4pPr>
-      <a:lvl5pPr marL="1613002" indent="-179222" algn="l" defTabSz="716890" rtl="0" eaLnBrk="1" latinLnBrk="0" hangingPunct="1">
+      <a:lvl5pPr marL="1645746" indent="-182860" algn="l" defTabSz="731443" rtl="0" eaLnBrk="1" latinLnBrk="0" hangingPunct="1">
         <a:spcBef>
           <a:spcPct val="20000"/>
         </a:spcBef>
@@ -3170,7 +3170,7 @@
           <a:cs typeface="+mn-cs"/>
         </a:defRPr>
       </a:lvl5pPr>
-      <a:lvl6pPr marL="1971446" indent="-179222" algn="l" defTabSz="716890" rtl="0" eaLnBrk="1" latinLnBrk="0" hangingPunct="1">
+      <a:lvl6pPr marL="2011466" indent="-182860" algn="l" defTabSz="731443" rtl="0" eaLnBrk="1" latinLnBrk="0" hangingPunct="1">
         <a:spcBef>
           <a:spcPct val="20000"/>
         </a:spcBef>
@@ -3185,7 +3185,7 @@
           <a:cs typeface="+mn-cs"/>
         </a:defRPr>
       </a:lvl6pPr>
-      <a:lvl7pPr marL="2329891" indent="-179222" algn="l" defTabSz="716890" rtl="0" eaLnBrk="1" latinLnBrk="0" hangingPunct="1">
+      <a:lvl7pPr marL="2377188" indent="-182860" algn="l" defTabSz="731443" rtl="0" eaLnBrk="1" latinLnBrk="0" hangingPunct="1">
         <a:spcBef>
           <a:spcPct val="20000"/>
         </a:spcBef>
@@ -3200,7 +3200,7 @@
           <a:cs typeface="+mn-cs"/>
         </a:defRPr>
       </a:lvl7pPr>
-      <a:lvl8pPr marL="2688336" indent="-179222" algn="l" defTabSz="716890" rtl="0" eaLnBrk="1" latinLnBrk="0" hangingPunct="1">
+      <a:lvl8pPr marL="2742909" indent="-182860" algn="l" defTabSz="731443" rtl="0" eaLnBrk="1" latinLnBrk="0" hangingPunct="1">
         <a:spcBef>
           <a:spcPct val="20000"/>
         </a:spcBef>
@@ -3215,7 +3215,7 @@
           <a:cs typeface="+mn-cs"/>
         </a:defRPr>
       </a:lvl8pPr>
-      <a:lvl9pPr marL="3046781" indent="-179222" algn="l" defTabSz="716890" rtl="0" eaLnBrk="1" latinLnBrk="0" hangingPunct="1">
+      <a:lvl9pPr marL="3108631" indent="-182860" algn="l" defTabSz="731443" rtl="0" eaLnBrk="1" latinLnBrk="0" hangingPunct="1">
         <a:spcBef>
           <a:spcPct val="20000"/>
         </a:spcBef>
@@ -3235,7 +3235,7 @@
       <a:defPPr>
         <a:defRPr lang="ja-JP"/>
       </a:defPPr>
-      <a:lvl1pPr marL="0" algn="l" defTabSz="716890" rtl="0" eaLnBrk="1" latinLnBrk="0" hangingPunct="1">
+      <a:lvl1pPr marL="0" algn="l" defTabSz="731443" rtl="0" eaLnBrk="1" latinLnBrk="0" hangingPunct="1">
         <a:defRPr kumimoji="1" sz="1400" kern="1200">
           <a:solidFill>
             <a:schemeClr val="tx1"/>
@@ -3245,7 +3245,7 @@
           <a:cs typeface="+mn-cs"/>
         </a:defRPr>
       </a:lvl1pPr>
-      <a:lvl2pPr marL="358445" algn="l" defTabSz="716890" rtl="0" eaLnBrk="1" latinLnBrk="0" hangingPunct="1">
+      <a:lvl2pPr marL="365721" algn="l" defTabSz="731443" rtl="0" eaLnBrk="1" latinLnBrk="0" hangingPunct="1">
         <a:defRPr kumimoji="1" sz="1400" kern="1200">
           <a:solidFill>
             <a:schemeClr val="tx1"/>
@@ -3255,7 +3255,7 @@
           <a:cs typeface="+mn-cs"/>
         </a:defRPr>
       </a:lvl2pPr>
-      <a:lvl3pPr marL="716890" algn="l" defTabSz="716890" rtl="0" eaLnBrk="1" latinLnBrk="0" hangingPunct="1">
+      <a:lvl3pPr marL="731443" algn="l" defTabSz="731443" rtl="0" eaLnBrk="1" latinLnBrk="0" hangingPunct="1">
         <a:defRPr kumimoji="1" sz="1400" kern="1200">
           <a:solidFill>
             <a:schemeClr val="tx1"/>
@@ -3265,7 +3265,7 @@
           <a:cs typeface="+mn-cs"/>
         </a:defRPr>
       </a:lvl3pPr>
-      <a:lvl4pPr marL="1075334" algn="l" defTabSz="716890" rtl="0" eaLnBrk="1" latinLnBrk="0" hangingPunct="1">
+      <a:lvl4pPr marL="1097163" algn="l" defTabSz="731443" rtl="0" eaLnBrk="1" latinLnBrk="0" hangingPunct="1">
         <a:defRPr kumimoji="1" sz="1400" kern="1200">
           <a:solidFill>
             <a:schemeClr val="tx1"/>
@@ -3275,7 +3275,7 @@
           <a:cs typeface="+mn-cs"/>
         </a:defRPr>
       </a:lvl4pPr>
-      <a:lvl5pPr marL="1433779" algn="l" defTabSz="716890" rtl="0" eaLnBrk="1" latinLnBrk="0" hangingPunct="1">
+      <a:lvl5pPr marL="1462885" algn="l" defTabSz="731443" rtl="0" eaLnBrk="1" latinLnBrk="0" hangingPunct="1">
         <a:defRPr kumimoji="1" sz="1400" kern="1200">
           <a:solidFill>
             <a:schemeClr val="tx1"/>
@@ -3285,7 +3285,7 @@
           <a:cs typeface="+mn-cs"/>
         </a:defRPr>
       </a:lvl5pPr>
-      <a:lvl6pPr marL="1792224" algn="l" defTabSz="716890" rtl="0" eaLnBrk="1" latinLnBrk="0" hangingPunct="1">
+      <a:lvl6pPr marL="1828606" algn="l" defTabSz="731443" rtl="0" eaLnBrk="1" latinLnBrk="0" hangingPunct="1">
         <a:defRPr kumimoji="1" sz="1400" kern="1200">
           <a:solidFill>
             <a:schemeClr val="tx1"/>
@@ -3295,7 +3295,7 @@
           <a:cs typeface="+mn-cs"/>
         </a:defRPr>
       </a:lvl6pPr>
-      <a:lvl7pPr marL="2150669" algn="l" defTabSz="716890" rtl="0" eaLnBrk="1" latinLnBrk="0" hangingPunct="1">
+      <a:lvl7pPr marL="2194328" algn="l" defTabSz="731443" rtl="0" eaLnBrk="1" latinLnBrk="0" hangingPunct="1">
         <a:defRPr kumimoji="1" sz="1400" kern="1200">
           <a:solidFill>
             <a:schemeClr val="tx1"/>
@@ -3305,7 +3305,7 @@
           <a:cs typeface="+mn-cs"/>
         </a:defRPr>
       </a:lvl7pPr>
-      <a:lvl8pPr marL="2509114" algn="l" defTabSz="716890" rtl="0" eaLnBrk="1" latinLnBrk="0" hangingPunct="1">
+      <a:lvl8pPr marL="2560049" algn="l" defTabSz="731443" rtl="0" eaLnBrk="1" latinLnBrk="0" hangingPunct="1">
         <a:defRPr kumimoji="1" sz="1400" kern="1200">
           <a:solidFill>
             <a:schemeClr val="tx1"/>
@@ -3315,7 +3315,7 @@
           <a:cs typeface="+mn-cs"/>
         </a:defRPr>
       </a:lvl8pPr>
-      <a:lvl9pPr marL="2867558" algn="l" defTabSz="716890" rtl="0" eaLnBrk="1" latinLnBrk="0" hangingPunct="1">
+      <a:lvl9pPr marL="2925769" algn="l" defTabSz="731443" rtl="0" eaLnBrk="1" latinLnBrk="0" hangingPunct="1">
         <a:defRPr kumimoji="1" sz="1400" kern="1200">
           <a:solidFill>
             <a:schemeClr val="tx1"/>
@@ -3355,8 +3355,8 @@
         </p:nvSpPr>
         <p:spPr>
           <a:xfrm>
-            <a:off x="0" y="4088631"/>
-            <a:ext cx="5376863" cy="3080519"/>
+            <a:off x="1" y="4171925"/>
+            <a:ext cx="5486400" cy="3143275"/>
           </a:xfrm>
           <a:prstGeom prst="rect">
             <a:avLst/>
@@ -3385,7 +3385,7 @@
           </a:fontRef>
         </p:style>
         <p:txBody>
-          <a:bodyPr rtlCol="0" anchor="ctr"/>
+          <a:bodyPr lIns="93296" tIns="46648" rIns="93296" bIns="46648" rtlCol="0" anchor="ctr"/>
           <a:lstStyle/>
           <a:p>
             <a:pPr algn="ctr"/>
@@ -3401,8 +3401,8 @@
         </p:nvSpPr>
         <p:spPr>
           <a:xfrm>
-            <a:off x="0" y="-15825"/>
-            <a:ext cx="5376863" cy="4144814"/>
+            <a:off x="1" y="-16147"/>
+            <a:ext cx="5486400" cy="4229252"/>
           </a:xfrm>
           <a:prstGeom prst="rect">
             <a:avLst/>
@@ -3431,7 +3431,7 @@
           </a:fontRef>
         </p:style>
         <p:txBody>
-          <a:bodyPr rtlCol="0" anchor="ctr"/>
+          <a:bodyPr lIns="93296" tIns="46648" rIns="93296" bIns="46648" rtlCol="0" anchor="ctr"/>
           <a:lstStyle/>
           <a:p>
             <a:pPr algn="ctr"/>
@@ -3447,8 +3447,8 @@
         </p:nvSpPr>
         <p:spPr>
           <a:xfrm>
-            <a:off x="1" y="-32147"/>
-            <a:ext cx="5376862" cy="3416320"/>
+            <a:off x="1" y="-32802"/>
+            <a:ext cx="5486399" cy="3485917"/>
           </a:xfrm>
           <a:prstGeom prst="rect">
             <a:avLst/>
@@ -3456,14 +3456,14 @@
           <a:noFill/>
         </p:spPr>
         <p:txBody>
-          <a:bodyPr wrap="square" rtlCol="0">
+          <a:bodyPr wrap="square" lIns="93296" tIns="46648" rIns="93296" bIns="46648" rtlCol="0">
             <a:spAutoFit/>
           </a:bodyPr>
           <a:lstStyle/>
           <a:p>
             <a:pPr algn="ctr"/>
             <a:r>
-              <a:rPr lang="en-US" altLang="ja-JP" sz="14400" dirty="0" smtClean="0">
+              <a:rPr lang="en-US" altLang="ja-JP" sz="14700" dirty="0" smtClean="0">
                 <a:solidFill>
                   <a:schemeClr val="bg1"/>
                 </a:solidFill>
@@ -3480,7 +3480,7 @@
               <a:t>R</a:t>
             </a:r>
             <a:r>
-              <a:rPr lang="ja-JP" altLang="en-US" sz="5400" dirty="0">
+              <a:rPr lang="ja-JP" altLang="en-US" sz="5500" dirty="0">
                 <a:solidFill>
                   <a:schemeClr val="bg1"/>
                 </a:solidFill>
@@ -3497,7 +3497,7 @@
               <a:t>で</a:t>
             </a:r>
             <a:r>
-              <a:rPr lang="ja-JP" altLang="en-US" sz="5400" dirty="0" smtClean="0">
+              <a:rPr lang="ja-JP" altLang="en-US" sz="5500" dirty="0" smtClean="0">
                 <a:solidFill>
                   <a:schemeClr val="bg1"/>
                 </a:solidFill>
@@ -3513,7 +3513,7 @@
               </a:rPr>
               <a:t>読む</a:t>
             </a:r>
-            <a:endParaRPr lang="en-US" altLang="ja-JP" sz="6600" dirty="0" smtClean="0">
+            <a:endParaRPr lang="en-US" altLang="ja-JP" sz="6700" dirty="0" smtClean="0">
               <a:solidFill>
                 <a:schemeClr val="bg1"/>
               </a:solidFill>
@@ -3531,7 +3531,7 @@
           <a:p>
             <a:pPr algn="ctr"/>
             <a:r>
-              <a:rPr lang="en-US" altLang="ja-JP" sz="7200" dirty="0" smtClean="0">
+              <a:rPr lang="en-US" altLang="ja-JP" sz="7300" dirty="0" smtClean="0">
                 <a:solidFill>
                   <a:schemeClr val="bg1"/>
                 </a:solidFill>
@@ -3548,7 +3548,7 @@
               <a:t>Excel</a:t>
             </a:r>
             <a:r>
-              <a:rPr lang="ja-JP" altLang="en-US" sz="5400" dirty="0">
+              <a:rPr lang="ja-JP" altLang="en-US" sz="5500" dirty="0">
                 <a:solidFill>
                   <a:schemeClr val="bg1"/>
                 </a:solidFill>
@@ -3564,20 +3564,6 @@
               </a:rPr>
               <a:t>ファイル</a:t>
             </a:r>
-            <a:endParaRPr kumimoji="1" lang="ja-JP" altLang="en-US" sz="5400" dirty="0">
-              <a:solidFill>
-                <a:schemeClr val="bg1"/>
-              </a:solidFill>
-              <a:effectLst>
-                <a:outerShdw blurRad="38100" dist="38100" dir="2700000" algn="tl">
-                  <a:srgbClr val="000000">
-                    <a:alpha val="43137"/>
-                  </a:srgbClr>
-                </a:outerShdw>
-              </a:effectLst>
-              <a:latin typeface="ＭＳ Ｐゴシック" pitchFamily="50" charset="-128"/>
-              <a:ea typeface="ＭＳ Ｐゴシック" pitchFamily="50" charset="-128"/>
-            </a:endParaRPr>
           </a:p>
         </p:txBody>
       </p:sp>
@@ -3591,8 +3577,8 @@
         </p:nvSpPr>
         <p:spPr bwMode="auto">
           <a:xfrm>
-            <a:off x="63500" y="-136525"/>
-            <a:ext cx="303213" cy="303213"/>
+            <a:off x="64794" y="-139306"/>
+            <a:ext cx="309390" cy="309390"/>
           </a:xfrm>
           <a:prstGeom prst="rect">
             <a:avLst/>
@@ -3600,7 +3586,7 @@
           <a:noFill/>
         </p:spPr>
         <p:txBody>
-          <a:bodyPr vert="horz" wrap="square" lIns="91440" tIns="45720" rIns="91440" bIns="45720" numCol="1" anchor="t" anchorCtr="0" compatLnSpc="1">
+          <a:bodyPr vert="horz" wrap="square" lIns="93296" tIns="46648" rIns="93296" bIns="46648" numCol="1" anchor="t" anchorCtr="0" compatLnSpc="1">
             <a:prstTxWarp prst="textNoShape">
               <a:avLst/>
             </a:prstTxWarp>
@@ -3619,8 +3605,8 @@
         </p:nvGrpSpPr>
         <p:grpSpPr>
           <a:xfrm>
-            <a:off x="3342578" y="4291732"/>
-            <a:ext cx="1520642" cy="2461195"/>
+            <a:off x="3410673" y="4379164"/>
+            <a:ext cx="1551620" cy="2511334"/>
             <a:chOff x="3342578" y="4016623"/>
             <a:chExt cx="1520642" cy="2461195"/>
           </a:xfrm>
@@ -4152,8 +4138,8 @@
         </p:nvGrpSpPr>
         <p:grpSpPr>
           <a:xfrm>
-            <a:off x="1248270" y="3944615"/>
-            <a:ext cx="792089" cy="1309067"/>
+            <a:off x="1273700" y="4024975"/>
+            <a:ext cx="808225" cy="1335735"/>
             <a:chOff x="2976459" y="3288159"/>
             <a:chExt cx="1500417" cy="2461195"/>
           </a:xfrm>
@@ -4685,8 +4671,8 @@
         </p:nvGrpSpPr>
         <p:grpSpPr>
           <a:xfrm>
-            <a:off x="3120479" y="3728591"/>
-            <a:ext cx="489597" cy="813395"/>
+            <a:off x="3184050" y="3804551"/>
+            <a:ext cx="499571" cy="829965"/>
             <a:chOff x="3342578" y="4016623"/>
             <a:chExt cx="1520642" cy="2461195"/>
           </a:xfrm>
@@ -5218,8 +5204,8 @@
         </p:nvGrpSpPr>
         <p:grpSpPr>
           <a:xfrm rot="1235679">
-            <a:off x="-2661830" y="5117528"/>
-            <a:ext cx="5640759" cy="7861795"/>
+            <a:off x="-2716056" y="5221783"/>
+            <a:ext cx="5755672" cy="8021956"/>
             <a:chOff x="3342578" y="4016623"/>
             <a:chExt cx="1520642" cy="2461195"/>
           </a:xfrm>
@@ -5751,8 +5737,8 @@
         </p:nvGrpSpPr>
         <p:grpSpPr>
           <a:xfrm>
-            <a:off x="2192759" y="3656583"/>
-            <a:ext cx="351656" cy="525363"/>
+            <a:off x="2237430" y="3731075"/>
+            <a:ext cx="358820" cy="536066"/>
             <a:chOff x="2976459" y="3288159"/>
             <a:chExt cx="1500417" cy="2461195"/>
           </a:xfrm>
